--- a/Training_ppt/mongodb class 16.pptx
+++ b/Training_ppt/mongodb class 16.pptx
@@ -5,7 +5,7 @@
     <p:sldMasterId id="2147483652" r:id="rId1"/>
   </p:sldMasterIdLst>
   <p:notesMasterIdLst>
-    <p:notesMasterId r:id="rId18"/>
+    <p:notesMasterId r:id="rId17"/>
   </p:notesMasterIdLst>
   <p:sldIdLst>
     <p:sldId id="367" r:id="rId2"/>
@@ -23,7 +23,6 @@
     <p:sldId id="361" r:id="rId14"/>
     <p:sldId id="362" r:id="rId15"/>
     <p:sldId id="363" r:id="rId16"/>
-    <p:sldId id="368" r:id="rId17"/>
   </p:sldIdLst>
   <p:sldSz cx="9144000" cy="6858000" type="screen4x3"/>
   <p:notesSz cx="6858000" cy="9144000"/>
@@ -208,7 +207,8 @@
           <a:p>
             <a:fld id="{2EA27D69-5AB8-C64C-8084-2B0DF50BB74F}" type="datetimeFigureOut">
               <a:rPr lang="en-US" smtClean="0"/>
-              <a:t>8/17/2015</a:t>
+              <a:pPr/>
+              <a:t>12/2/2018</a:t>
             </a:fld>
             <a:endParaRPr lang="en-US"/>
           </a:p>
@@ -367,6 +367,7 @@
           <a:p>
             <a:fld id="{5FDDCDC3-F84F-E445-B24F-9A0018208DF9}" type="slidenum">
               <a:rPr lang="en-US" smtClean="0"/>
+              <a:pPr/>
               <a:t>‹#›</a:t>
             </a:fld>
             <a:endParaRPr lang="en-US"/>
@@ -376,7 +377,7 @@
     </p:spTree>
     <p:extLst>
       <p:ext uri="{BB962C8B-B14F-4D97-AF65-F5344CB8AC3E}">
-        <p14:creationId xmlns:p14="http://schemas.microsoft.com/office/powerpoint/2010/main" val="761420163"/>
+        <p14:creationId xmlns:p14="http://schemas.microsoft.com/office/powerpoint/2010/main" xmlns="" val="761420163"/>
       </p:ext>
     </p:extLst>
   </p:cSld>
@@ -559,6 +560,7 @@
           <a:p>
             <a:fld id="{5FDDCDC3-F84F-E445-B24F-9A0018208DF9}" type="slidenum">
               <a:rPr lang="en-US" smtClean="0"/>
+              <a:pPr/>
               <a:t>4</a:t>
             </a:fld>
             <a:endParaRPr lang="en-US"/>
@@ -568,7 +570,7 @@
     </p:spTree>
     <p:extLst>
       <p:ext uri="{BB962C8B-B14F-4D97-AF65-F5344CB8AC3E}">
-        <p14:creationId xmlns:p14="http://schemas.microsoft.com/office/powerpoint/2010/main" val="2074272620"/>
+        <p14:creationId xmlns:p14="http://schemas.microsoft.com/office/powerpoint/2010/main" xmlns="" val="2074272620"/>
       </p:ext>
     </p:extLst>
   </p:cSld>
@@ -660,6 +662,7 @@
           <a:p>
             <a:fld id="{5FDDCDC3-F84F-E445-B24F-9A0018208DF9}" type="slidenum">
               <a:rPr lang="en-US" smtClean="0"/>
+              <a:pPr/>
               <a:t>5</a:t>
             </a:fld>
             <a:endParaRPr lang="en-US"/>
@@ -669,7 +672,7 @@
     </p:spTree>
     <p:extLst>
       <p:ext uri="{BB962C8B-B14F-4D97-AF65-F5344CB8AC3E}">
-        <p14:creationId xmlns:p14="http://schemas.microsoft.com/office/powerpoint/2010/main" val="2074272620"/>
+        <p14:creationId xmlns:p14="http://schemas.microsoft.com/office/powerpoint/2010/main" xmlns="" val="2074272620"/>
       </p:ext>
     </p:extLst>
   </p:cSld>
@@ -761,6 +764,7 @@
           <a:p>
             <a:fld id="{5FDDCDC3-F84F-E445-B24F-9A0018208DF9}" type="slidenum">
               <a:rPr lang="en-US" smtClean="0"/>
+              <a:pPr/>
               <a:t>6</a:t>
             </a:fld>
             <a:endParaRPr lang="en-US"/>
@@ -770,7 +774,7 @@
     </p:spTree>
     <p:extLst>
       <p:ext uri="{BB962C8B-B14F-4D97-AF65-F5344CB8AC3E}">
-        <p14:creationId xmlns:p14="http://schemas.microsoft.com/office/powerpoint/2010/main" val="2074272620"/>
+        <p14:creationId xmlns:p14="http://schemas.microsoft.com/office/powerpoint/2010/main" xmlns="" val="2074272620"/>
       </p:ext>
     </p:extLst>
   </p:cSld>
@@ -862,6 +866,7 @@
           <a:p>
             <a:fld id="{5FDDCDC3-F84F-E445-B24F-9A0018208DF9}" type="slidenum">
               <a:rPr lang="en-US" smtClean="0"/>
+              <a:pPr/>
               <a:t>7</a:t>
             </a:fld>
             <a:endParaRPr lang="en-US"/>
@@ -871,7 +876,7 @@
     </p:spTree>
     <p:extLst>
       <p:ext uri="{BB962C8B-B14F-4D97-AF65-F5344CB8AC3E}">
-        <p14:creationId xmlns:p14="http://schemas.microsoft.com/office/powerpoint/2010/main" val="2074272620"/>
+        <p14:creationId xmlns:p14="http://schemas.microsoft.com/office/powerpoint/2010/main" xmlns="" val="2074272620"/>
       </p:ext>
     </p:extLst>
   </p:cSld>
@@ -920,14 +925,14 @@
           </a:ln>
           <a:extLst>
             <a:ext uri="{909E8E84-426E-40DD-AFC4-6F175D3DCCD1}">
-              <a14:hiddenFill xmlns:a14="http://schemas.microsoft.com/office/drawing/2010/main">
+              <a14:hiddenFill xmlns:a14="http://schemas.microsoft.com/office/drawing/2010/main" xmlns="">
                 <a:solidFill>
                   <a:srgbClr val="FFFFFF"/>
                 </a:solidFill>
               </a14:hiddenFill>
             </a:ext>
             <a:ext uri="{FAA26D3D-D897-4be2-8F04-BA451C77F1D7}">
-              <ma14:placeholderFlag xmlns="" xmlns:ma14="http://schemas.microsoft.com/office/mac/drawingml/2011/main" val="1"/>
+              <ma14:placeholderFlag xmlns:ma14="http://schemas.microsoft.com/office/mac/drawingml/2011/main" xmlns="" val="1"/>
             </a:ext>
           </a:extLst>
         </p:spPr>
@@ -946,14 +951,14 @@
           <a:noFill/>
           <a:extLst>
             <a:ext uri="{909E8E84-426E-40DD-AFC4-6F175D3DCCD1}">
-              <a14:hiddenFill xmlns:a14="http://schemas.microsoft.com/office/drawing/2010/main">
+              <a14:hiddenFill xmlns:a14="http://schemas.microsoft.com/office/drawing/2010/main" xmlns="">
                 <a:solidFill>
                   <a:srgbClr val="FFFFFF"/>
                 </a:solidFill>
               </a14:hiddenFill>
             </a:ext>
             <a:ext uri="{91240B29-F687-4F45-9708-019B960494DF}">
-              <a14:hiddenLine xmlns:a14="http://schemas.microsoft.com/office/drawing/2010/main" w="9525">
+              <a14:hiddenLine xmlns:a14="http://schemas.microsoft.com/office/drawing/2010/main" xmlns="" w="9525">
                 <a:solidFill>
                   <a:srgbClr val="000000"/>
                 </a:solidFill>
@@ -963,7 +968,7 @@
               </a14:hiddenLine>
             </a:ext>
             <a:ext uri="{FAA26D3D-D897-4be2-8F04-BA451C77F1D7}">
-              <ma14:placeholderFlag xmlns="" xmlns:ma14="http://schemas.microsoft.com/office/mac/drawingml/2011/main" val="1"/>
+              <ma14:placeholderFlag xmlns:ma14="http://schemas.microsoft.com/office/mac/drawingml/2011/main" xmlns="" val="1"/>
             </a:ext>
           </a:extLst>
         </p:spPr>
@@ -1001,14 +1006,14 @@
           <a:noFill/>
           <a:extLst>
             <a:ext uri="{909E8E84-426E-40DD-AFC4-6F175D3DCCD1}">
-              <a14:hiddenFill xmlns:a14="http://schemas.microsoft.com/office/drawing/2010/main">
+              <a14:hiddenFill xmlns:a14="http://schemas.microsoft.com/office/drawing/2010/main" xmlns="">
                 <a:solidFill>
                   <a:srgbClr val="FFFFFF"/>
                 </a:solidFill>
               </a14:hiddenFill>
             </a:ext>
             <a:ext uri="{91240B29-F687-4F45-9708-019B960494DF}">
-              <a14:hiddenLine xmlns:a14="http://schemas.microsoft.com/office/drawing/2010/main" w="9525">
+              <a14:hiddenLine xmlns:a14="http://schemas.microsoft.com/office/drawing/2010/main" xmlns="" w="9525">
                 <a:solidFill>
                   <a:srgbClr val="000000"/>
                 </a:solidFill>
@@ -1225,6 +1230,7 @@
           <a:p>
             <a:fld id="{5FDDCDC3-F84F-E445-B24F-9A0018208DF9}" type="slidenum">
               <a:rPr lang="en-US" smtClean="0"/>
+              <a:pPr/>
               <a:t>9</a:t>
             </a:fld>
             <a:endParaRPr lang="en-US"/>
@@ -1234,7 +1240,7 @@
     </p:spTree>
     <p:extLst>
       <p:ext uri="{BB962C8B-B14F-4D97-AF65-F5344CB8AC3E}">
-        <p14:creationId xmlns:p14="http://schemas.microsoft.com/office/powerpoint/2010/main" val="4051529185"/>
+        <p14:creationId xmlns:p14="http://schemas.microsoft.com/office/powerpoint/2010/main" xmlns="" val="4051529185"/>
       </p:ext>
     </p:extLst>
   </p:cSld>
@@ -1439,7 +1445,7 @@
             <a:fld id="{04AF466F-BDA4-4F18-9C7B-FF0A9A1B0E80}" type="datetime1">
               <a:rPr lang="en-US" smtClean="0"/>
               <a:pPr/>
-              <a:t>8/17/2015</a:t>
+              <a:t>12/2/2018</a:t>
             </a:fld>
             <a:endParaRPr lang="en-US"/>
           </a:p>
@@ -1606,7 +1612,7 @@
             <a:fld id="{58FB4290-6522-4139-852E-05BD9E7F0D2E}" type="datetime1">
               <a:rPr lang="en-US" smtClean="0"/>
               <a:pPr/>
-              <a:t>8/17/2015</a:t>
+              <a:t>12/2/2018</a:t>
             </a:fld>
             <a:endParaRPr lang="en-US"/>
           </a:p>
@@ -1783,7 +1789,7 @@
             <a:fld id="{AAB955F9-81EA-47C5-8059-9E5C2B437C70}" type="datetime1">
               <a:rPr lang="en-US" smtClean="0"/>
               <a:pPr/>
-              <a:t>8/17/2015</a:t>
+              <a:t>12/2/2018</a:t>
             </a:fld>
             <a:endParaRPr lang="en-US"/>
           </a:p>
@@ -1950,7 +1956,7 @@
             <a:fld id="{1CEF607B-A47E-422C-9BEF-122CCDB7C526}" type="datetime1">
               <a:rPr lang="en-US" smtClean="0"/>
               <a:pPr/>
-              <a:t>8/17/2015</a:t>
+              <a:t>12/2/2018</a:t>
             </a:fld>
             <a:endParaRPr lang="en-US"/>
           </a:p>
@@ -2217,7 +2223,7 @@
             <a:fld id="{63A9A7CB-BEE6-4F99-898E-913F06E8E125}" type="datetime1">
               <a:rPr lang="en-US" smtClean="0"/>
               <a:pPr/>
-              <a:t>8/17/2015</a:t>
+              <a:t>12/2/2018</a:t>
             </a:fld>
             <a:endParaRPr lang="en-US"/>
           </a:p>
@@ -2502,7 +2508,7 @@
             <a:fld id="{B6EE300C-6FC5-4FC3-AF1A-075E4F50620D}" type="datetime1">
               <a:rPr lang="en-US" smtClean="0"/>
               <a:pPr/>
-              <a:t>8/17/2015</a:t>
+              <a:t>12/2/2018</a:t>
             </a:fld>
             <a:endParaRPr lang="en-US"/>
           </a:p>
@@ -2933,7 +2939,7 @@
             <a:fld id="{F50D295D-4A77-4DEB-B04C-9F4282A8BC04}" type="datetime1">
               <a:rPr lang="en-US" smtClean="0"/>
               <a:pPr/>
-              <a:t>8/17/2015</a:t>
+              <a:t>12/2/2018</a:t>
             </a:fld>
             <a:endParaRPr lang="en-US"/>
           </a:p>
@@ -3048,7 +3054,7 @@
             <a:fld id="{02B28685-4D0C-42D5-8013-B5904CD1FCBC}" type="datetime1">
               <a:rPr lang="en-US" smtClean="0"/>
               <a:pPr/>
-              <a:t>8/17/2015</a:t>
+              <a:t>12/2/2018</a:t>
             </a:fld>
             <a:endParaRPr lang="en-US"/>
           </a:p>
@@ -3140,7 +3146,7 @@
             <a:fld id="{FDF226C0-9885-4BA9-BBFA-A52CBFEBB775}" type="datetime1">
               <a:rPr lang="en-US" smtClean="0"/>
               <a:pPr/>
-              <a:t>8/17/2015</a:t>
+              <a:t>12/2/2018</a:t>
             </a:fld>
             <a:endParaRPr lang="en-US"/>
           </a:p>
@@ -3331,7 +3337,7 @@
             <a:fld id="{EBEE1B38-C5EB-4D66-9137-0AFE9CDEDE8F}" type="datetime1">
               <a:rPr lang="en-US" smtClean="0"/>
               <a:pPr/>
-              <a:t>8/17/2015</a:t>
+              <a:t>12/2/2018</a:t>
             </a:fld>
             <a:endParaRPr lang="en-US"/>
           </a:p>
@@ -3651,7 +3657,7 @@
             <a:fld id="{327B613C-1AD7-49D3-885D-F654C5CDBAA6}" type="datetime1">
               <a:rPr lang="en-US" smtClean="0"/>
               <a:pPr/>
-              <a:t>8/17/2015</a:t>
+              <a:t>12/2/2018</a:t>
             </a:fld>
             <a:endParaRPr lang="en-US" dirty="0"/>
           </a:p>
@@ -4033,7 +4039,7 @@
             <a:fld id="{327B613C-1AD7-49D3-885D-F654C5CDBAA6}" type="datetime1">
               <a:rPr lang="en-US" smtClean="0"/>
               <a:pPr/>
-              <a:t>8/17/2015</a:t>
+              <a:t>12/2/2018</a:t>
             </a:fld>
             <a:endParaRPr lang="en-US" dirty="0"/>
           </a:p>
@@ -4382,7 +4388,7 @@
     </p:spTree>
     <p:extLst>
       <p:ext uri="{BB962C8B-B14F-4D97-AF65-F5344CB8AC3E}">
-        <p14:creationId xmlns:p14="http://schemas.microsoft.com/office/powerpoint/2010/main" val="2416654881"/>
+        <p14:creationId xmlns:p14="http://schemas.microsoft.com/office/powerpoint/2010/main" xmlns="" val="2416654881"/>
       </p:ext>
     </p:extLst>
   </p:cSld>
@@ -4428,7 +4434,7 @@
           <a:blip r:embed="rId2">
             <a:extLst>
               <a:ext uri="{28A0092B-C50C-407E-A947-70E740481C1C}">
-                <a14:useLocalDpi xmlns:a14="http://schemas.microsoft.com/office/drawing/2010/main" val="0"/>
+                <a14:useLocalDpi xmlns:a14="http://schemas.microsoft.com/office/drawing/2010/main" xmlns="" val="0"/>
               </a:ext>
             </a:extLst>
           </a:blip>
@@ -4451,14 +4457,14 @@
           </a:ln>
           <a:extLst>
             <a:ext uri="{909E8E84-426E-40DD-AFC4-6F175D3DCCD1}">
-              <a14:hiddenFill xmlns:a14="http://schemas.microsoft.com/office/drawing/2010/main">
+              <a14:hiddenFill xmlns:a14="http://schemas.microsoft.com/office/drawing/2010/main" xmlns="">
                 <a:solidFill>
                   <a:schemeClr val="accent1"/>
                 </a:solidFill>
               </a14:hiddenFill>
             </a:ext>
             <a:ext uri="{91240B29-F687-4F45-9708-019B960494DF}">
-              <a14:hiddenLine xmlns:a14="http://schemas.microsoft.com/office/drawing/2010/main" w="9525">
+              <a14:hiddenLine xmlns:a14="http://schemas.microsoft.com/office/drawing/2010/main" xmlns="" w="9525">
                 <a:solidFill>
                   <a:schemeClr val="tx1"/>
                 </a:solidFill>
@@ -4473,7 +4479,7 @@
     </p:spTree>
     <p:extLst>
       <p:ext uri="{BB962C8B-B14F-4D97-AF65-F5344CB8AC3E}">
-        <p14:creationId xmlns:p14="http://schemas.microsoft.com/office/powerpoint/2010/main" val="3592813823"/>
+        <p14:creationId xmlns:p14="http://schemas.microsoft.com/office/powerpoint/2010/main" xmlns="" val="3592813823"/>
       </p:ext>
     </p:extLst>
   </p:cSld>
@@ -4519,7 +4525,7 @@
           <a:blip r:embed="rId2">
             <a:extLst>
               <a:ext uri="{28A0092B-C50C-407E-A947-70E740481C1C}">
-                <a14:useLocalDpi xmlns:a14="http://schemas.microsoft.com/office/drawing/2010/main" val="0"/>
+                <a14:useLocalDpi xmlns:a14="http://schemas.microsoft.com/office/drawing/2010/main" xmlns="" val="0"/>
               </a:ext>
             </a:extLst>
           </a:blip>
@@ -4542,14 +4548,14 @@
           </a:ln>
           <a:extLst>
             <a:ext uri="{909E8E84-426E-40DD-AFC4-6F175D3DCCD1}">
-              <a14:hiddenFill xmlns:a14="http://schemas.microsoft.com/office/drawing/2010/main">
+              <a14:hiddenFill xmlns:a14="http://schemas.microsoft.com/office/drawing/2010/main" xmlns="">
                 <a:solidFill>
                   <a:schemeClr val="accent1"/>
                 </a:solidFill>
               </a14:hiddenFill>
             </a:ext>
             <a:ext uri="{91240B29-F687-4F45-9708-019B960494DF}">
-              <a14:hiddenLine xmlns:a14="http://schemas.microsoft.com/office/drawing/2010/main" w="9525">
+              <a14:hiddenLine xmlns:a14="http://schemas.microsoft.com/office/drawing/2010/main" xmlns="" w="9525">
                 <a:solidFill>
                   <a:schemeClr val="tx1"/>
                 </a:solidFill>
@@ -4573,7 +4579,7 @@
           <a:blip r:embed="rId3">
             <a:extLst>
               <a:ext uri="{28A0092B-C50C-407E-A947-70E740481C1C}">
-                <a14:useLocalDpi xmlns:a14="http://schemas.microsoft.com/office/drawing/2010/main" val="0"/>
+                <a14:useLocalDpi xmlns:a14="http://schemas.microsoft.com/office/drawing/2010/main" xmlns="" val="0"/>
               </a:ext>
             </a:extLst>
           </a:blip>
@@ -4596,14 +4602,14 @@
           </a:ln>
           <a:extLst>
             <a:ext uri="{909E8E84-426E-40DD-AFC4-6F175D3DCCD1}">
-              <a14:hiddenFill xmlns:a14="http://schemas.microsoft.com/office/drawing/2010/main">
+              <a14:hiddenFill xmlns:a14="http://schemas.microsoft.com/office/drawing/2010/main" xmlns="">
                 <a:solidFill>
                   <a:schemeClr val="accent1"/>
                 </a:solidFill>
               </a14:hiddenFill>
             </a:ext>
             <a:ext uri="{91240B29-F687-4F45-9708-019B960494DF}">
-              <a14:hiddenLine xmlns:a14="http://schemas.microsoft.com/office/drawing/2010/main" w="9525">
+              <a14:hiddenLine xmlns:a14="http://schemas.microsoft.com/office/drawing/2010/main" xmlns="" w="9525">
                 <a:solidFill>
                   <a:schemeClr val="tx1"/>
                 </a:solidFill>
@@ -4618,7 +4624,7 @@
     </p:spTree>
     <p:extLst>
       <p:ext uri="{BB962C8B-B14F-4D97-AF65-F5344CB8AC3E}">
-        <p14:creationId xmlns:p14="http://schemas.microsoft.com/office/powerpoint/2010/main" val="3633131513"/>
+        <p14:creationId xmlns:p14="http://schemas.microsoft.com/office/powerpoint/2010/main" xmlns="" val="3633131513"/>
       </p:ext>
     </p:extLst>
   </p:cSld>
@@ -4664,7 +4670,7 @@
           <a:blip r:embed="rId2">
             <a:extLst>
               <a:ext uri="{28A0092B-C50C-407E-A947-70E740481C1C}">
-                <a14:useLocalDpi xmlns:a14="http://schemas.microsoft.com/office/drawing/2010/main" val="0"/>
+                <a14:useLocalDpi xmlns:a14="http://schemas.microsoft.com/office/drawing/2010/main" xmlns="" val="0"/>
               </a:ext>
             </a:extLst>
           </a:blip>
@@ -4687,14 +4693,14 @@
           </a:ln>
           <a:extLst>
             <a:ext uri="{909E8E84-426E-40DD-AFC4-6F175D3DCCD1}">
-              <a14:hiddenFill xmlns:a14="http://schemas.microsoft.com/office/drawing/2010/main">
+              <a14:hiddenFill xmlns:a14="http://schemas.microsoft.com/office/drawing/2010/main" xmlns="">
                 <a:solidFill>
                   <a:schemeClr val="accent1"/>
                 </a:solidFill>
               </a14:hiddenFill>
             </a:ext>
             <a:ext uri="{91240B29-F687-4F45-9708-019B960494DF}">
-              <a14:hiddenLine xmlns:a14="http://schemas.microsoft.com/office/drawing/2010/main" w="9525">
+              <a14:hiddenLine xmlns:a14="http://schemas.microsoft.com/office/drawing/2010/main" xmlns="" w="9525">
                 <a:solidFill>
                   <a:schemeClr val="tx1"/>
                 </a:solidFill>
@@ -4709,7 +4715,7 @@
     </p:spTree>
     <p:extLst>
       <p:ext uri="{BB962C8B-B14F-4D97-AF65-F5344CB8AC3E}">
-        <p14:creationId xmlns:p14="http://schemas.microsoft.com/office/powerpoint/2010/main" val="2655632229"/>
+        <p14:creationId xmlns:p14="http://schemas.microsoft.com/office/powerpoint/2010/main" xmlns="" val="2655632229"/>
       </p:ext>
     </p:extLst>
   </p:cSld>
@@ -4755,7 +4761,7 @@
           <a:blip r:embed="rId2">
             <a:extLst>
               <a:ext uri="{28A0092B-C50C-407E-A947-70E740481C1C}">
-                <a14:useLocalDpi xmlns:a14="http://schemas.microsoft.com/office/drawing/2010/main" val="0"/>
+                <a14:useLocalDpi xmlns:a14="http://schemas.microsoft.com/office/drawing/2010/main" xmlns="" val="0"/>
               </a:ext>
             </a:extLst>
           </a:blip>
@@ -4778,14 +4784,14 @@
           </a:ln>
           <a:extLst>
             <a:ext uri="{909E8E84-426E-40DD-AFC4-6F175D3DCCD1}">
-              <a14:hiddenFill xmlns:a14="http://schemas.microsoft.com/office/drawing/2010/main">
+              <a14:hiddenFill xmlns:a14="http://schemas.microsoft.com/office/drawing/2010/main" xmlns="">
                 <a:solidFill>
                   <a:schemeClr val="accent1"/>
                 </a:solidFill>
               </a14:hiddenFill>
             </a:ext>
             <a:ext uri="{91240B29-F687-4F45-9708-019B960494DF}">
-              <a14:hiddenLine xmlns:a14="http://schemas.microsoft.com/office/drawing/2010/main" w="9525">
+              <a14:hiddenLine xmlns:a14="http://schemas.microsoft.com/office/drawing/2010/main" xmlns="" w="9525">
                 <a:solidFill>
                   <a:schemeClr val="tx1"/>
                 </a:solidFill>
@@ -4800,7 +4806,7 @@
     </p:spTree>
     <p:extLst>
       <p:ext uri="{BB962C8B-B14F-4D97-AF65-F5344CB8AC3E}">
-        <p14:creationId xmlns:p14="http://schemas.microsoft.com/office/powerpoint/2010/main" val="4223208949"/>
+        <p14:creationId xmlns:p14="http://schemas.microsoft.com/office/powerpoint/2010/main" xmlns="" val="4223208949"/>
       </p:ext>
     </p:extLst>
   </p:cSld>
@@ -4846,7 +4852,7 @@
           <a:blip r:embed="rId2">
             <a:extLst>
               <a:ext uri="{28A0092B-C50C-407E-A947-70E740481C1C}">
-                <a14:useLocalDpi xmlns:a14="http://schemas.microsoft.com/office/drawing/2010/main" val="0"/>
+                <a14:useLocalDpi xmlns:a14="http://schemas.microsoft.com/office/drawing/2010/main" xmlns="" val="0"/>
               </a:ext>
             </a:extLst>
           </a:blip>
@@ -4869,14 +4875,14 @@
           </a:ln>
           <a:extLst>
             <a:ext uri="{909E8E84-426E-40DD-AFC4-6F175D3DCCD1}">
-              <a14:hiddenFill xmlns:a14="http://schemas.microsoft.com/office/drawing/2010/main">
+              <a14:hiddenFill xmlns:a14="http://schemas.microsoft.com/office/drawing/2010/main" xmlns="">
                 <a:solidFill>
                   <a:schemeClr val="accent1"/>
                 </a:solidFill>
               </a14:hiddenFill>
             </a:ext>
             <a:ext uri="{91240B29-F687-4F45-9708-019B960494DF}">
-              <a14:hiddenLine xmlns:a14="http://schemas.microsoft.com/office/drawing/2010/main" w="9525">
+              <a14:hiddenLine xmlns:a14="http://schemas.microsoft.com/office/drawing/2010/main" xmlns="" w="9525">
                 <a:solidFill>
                   <a:schemeClr val="tx1"/>
                 </a:solidFill>
@@ -4891,7 +4897,7 @@
     </p:spTree>
     <p:extLst>
       <p:ext uri="{BB962C8B-B14F-4D97-AF65-F5344CB8AC3E}">
-        <p14:creationId xmlns:p14="http://schemas.microsoft.com/office/powerpoint/2010/main" val="2963205911"/>
+        <p14:creationId xmlns:p14="http://schemas.microsoft.com/office/powerpoint/2010/main" xmlns="" val="2963205911"/>
       </p:ext>
     </p:extLst>
   </p:cSld>
@@ -4937,7 +4943,7 @@
           <a:blip r:embed="rId2">
             <a:extLst>
               <a:ext uri="{28A0092B-C50C-407E-A947-70E740481C1C}">
-                <a14:useLocalDpi xmlns:a14="http://schemas.microsoft.com/office/drawing/2010/main" val="0"/>
+                <a14:useLocalDpi xmlns:a14="http://schemas.microsoft.com/office/drawing/2010/main" xmlns="" val="0"/>
               </a:ext>
             </a:extLst>
           </a:blip>
@@ -4960,14 +4966,14 @@
           </a:ln>
           <a:extLst>
             <a:ext uri="{909E8E84-426E-40DD-AFC4-6F175D3DCCD1}">
-              <a14:hiddenFill xmlns:a14="http://schemas.microsoft.com/office/drawing/2010/main">
+              <a14:hiddenFill xmlns:a14="http://schemas.microsoft.com/office/drawing/2010/main" xmlns="">
                 <a:solidFill>
                   <a:schemeClr val="accent1"/>
                 </a:solidFill>
               </a14:hiddenFill>
             </a:ext>
             <a:ext uri="{91240B29-F687-4F45-9708-019B960494DF}">
-              <a14:hiddenLine xmlns:a14="http://schemas.microsoft.com/office/drawing/2010/main" w="9525">
+              <a14:hiddenLine xmlns:a14="http://schemas.microsoft.com/office/drawing/2010/main" xmlns="" w="9525">
                 <a:solidFill>
                   <a:schemeClr val="tx1"/>
                 </a:solidFill>
@@ -4982,151 +4988,7 @@
     </p:spTree>
     <p:extLst>
       <p:ext uri="{BB962C8B-B14F-4D97-AF65-F5344CB8AC3E}">
-        <p14:creationId xmlns:p14="http://schemas.microsoft.com/office/powerpoint/2010/main" val="369747698"/>
-      </p:ext>
-    </p:extLst>
-  </p:cSld>
-  <p:clrMapOvr>
-    <a:masterClrMapping/>
-  </p:clrMapOvr>
-  <p:timing>
-    <p:tnLst>
-      <p:par>
-        <p:cTn id="1" dur="indefinite" restart="never" nodeType="tmRoot"/>
-      </p:par>
-    </p:tnLst>
-  </p:timing>
-</p:sld>
-</file>
-
-<file path=ppt/slides/slide16.xml><?xml version="1.0" encoding="utf-8"?>
-<p:sld xmlns:a="http://schemas.openxmlformats.org/drawingml/2006/main" xmlns:r="http://schemas.openxmlformats.org/officeDocument/2006/relationships" xmlns:p="http://schemas.openxmlformats.org/presentationml/2006/main">
-  <p:cSld>
-    <p:spTree>
-      <p:nvGrpSpPr>
-        <p:cNvPr id="1" name=""/>
-        <p:cNvGrpSpPr/>
-        <p:nvPr/>
-      </p:nvGrpSpPr>
-      <p:grpSpPr>
-        <a:xfrm>
-          <a:off x="0" y="0"/>
-          <a:ext cx="0" cy="0"/>
-          <a:chOff x="0" y="0"/>
-          <a:chExt cx="0" cy="0"/>
-        </a:xfrm>
-      </p:grpSpPr>
-      <p:sp>
-        <p:nvSpPr>
-          <p:cNvPr id="36868" name="Rectangle 4"/>
-          <p:cNvSpPr>
-            <a:spLocks noGrp="1" noChangeArrowheads="1"/>
-          </p:cNvSpPr>
-          <p:nvPr>
-            <p:ph type="title"/>
-          </p:nvPr>
-        </p:nvSpPr>
-        <p:spPr bwMode="auto">
-          <a:xfrm>
-            <a:off x="468313" y="2924175"/>
-            <a:ext cx="7620000" cy="1143000"/>
-          </a:xfrm>
-          <a:extLst>
-            <a:ext uri="{909E8E84-426E-40DD-AFC4-6F175D3DCCD1}">
-              <a14:hiddenFill xmlns:a14="http://schemas.microsoft.com/office/drawing/2010/main">
-                <a:solidFill>
-                  <a:srgbClr val="FFFFFF"/>
-                </a:solidFill>
-              </a14:hiddenFill>
-            </a:ext>
-            <a:ext uri="{91240B29-F687-4F45-9708-019B960494DF}">
-              <a14:hiddenLine xmlns:a14="http://schemas.microsoft.com/office/drawing/2010/main" w="9525">
-                <a:solidFill>
-                  <a:srgbClr val="000000"/>
-                </a:solidFill>
-                <a:miter lim="800000"/>
-                <a:headEnd/>
-                <a:tailEnd/>
-              </a14:hiddenLine>
-            </a:ext>
-          </a:extLst>
-        </p:spPr>
-        <p:txBody>
-          <a:bodyPr wrap="square" numCol="1" anchorCtr="0" compatLnSpc="1">
-            <a:prstTxWarp prst="textNoShape">
-              <a:avLst/>
-            </a:prstTxWarp>
-          </a:bodyPr>
-          <a:lstStyle/>
-          <a:p>
-            <a:pPr eaLnBrk="1" hangingPunct="1">
-              <a:defRPr/>
-            </a:pPr>
-            <a:r>
-              <a:rPr lang="hu-HU" smtClean="0"/>
-              <a:t>Thank you for your attention!</a:t>
-            </a:r>
-          </a:p>
-        </p:txBody>
-      </p:sp>
-      <p:pic>
-        <p:nvPicPr>
-          <p:cNvPr id="17411" name="Picture 1"/>
-          <p:cNvPicPr>
-            <a:picLocks noChangeAspect="1"/>
-          </p:cNvPicPr>
-          <p:nvPr/>
-        </p:nvPicPr>
-        <p:blipFill>
-          <a:blip r:embed="rId2">
-            <a:extLst>
-              <a:ext uri="{28A0092B-C50C-407E-A947-70E740481C1C}">
-                <a14:useLocalDpi xmlns:a14="http://schemas.microsoft.com/office/drawing/2010/main" val="0"/>
-              </a:ext>
-            </a:extLst>
-          </a:blip>
-          <a:srcRect/>
-          <a:stretch>
-            <a:fillRect/>
-          </a:stretch>
-        </p:blipFill>
-        <p:spPr bwMode="auto">
-          <a:xfrm>
-            <a:off x="9525" y="5880100"/>
-            <a:ext cx="2794000" cy="1016000"/>
-          </a:xfrm>
-          <a:prstGeom prst="rect">
-            <a:avLst/>
-          </a:prstGeom>
-          <a:noFill/>
-          <a:ln>
-            <a:noFill/>
-          </a:ln>
-          <a:extLst>
-            <a:ext uri="{909E8E84-426E-40DD-AFC4-6F175D3DCCD1}">
-              <a14:hiddenFill xmlns:a14="http://schemas.microsoft.com/office/drawing/2010/main">
-                <a:solidFill>
-                  <a:srgbClr val="FFFFFF"/>
-                </a:solidFill>
-              </a14:hiddenFill>
-            </a:ext>
-            <a:ext uri="{91240B29-F687-4F45-9708-019B960494DF}">
-              <a14:hiddenLine xmlns:a14="http://schemas.microsoft.com/office/drawing/2010/main" w="9525">
-                <a:solidFill>
-                  <a:srgbClr val="000000"/>
-                </a:solidFill>
-                <a:miter lim="800000"/>
-                <a:headEnd/>
-                <a:tailEnd/>
-              </a14:hiddenLine>
-            </a:ext>
-          </a:extLst>
-        </p:spPr>
-      </p:pic>
-    </p:spTree>
-    <p:extLst>
-      <p:ext uri="{BB962C8B-B14F-4D97-AF65-F5344CB8AC3E}">
-        <p14:creationId xmlns:p14="http://schemas.microsoft.com/office/powerpoint/2010/main" val="1184269032"/>
+        <p14:creationId xmlns:p14="http://schemas.microsoft.com/office/powerpoint/2010/main" xmlns="" val="369747698"/>
       </p:ext>
     </p:extLst>
   </p:cSld>
@@ -5237,7 +5099,7 @@
     </p:spTree>
     <p:extLst>
       <p:ext uri="{BB962C8B-B14F-4D97-AF65-F5344CB8AC3E}">
-        <p14:creationId xmlns:p14="http://schemas.microsoft.com/office/powerpoint/2010/main" val="3229066309"/>
+        <p14:creationId xmlns:p14="http://schemas.microsoft.com/office/powerpoint/2010/main" xmlns="" val="3229066309"/>
       </p:ext>
     </p:extLst>
   </p:cSld>
@@ -5326,7 +5188,7 @@
     </p:spTree>
     <p:extLst>
       <p:ext uri="{BB962C8B-B14F-4D97-AF65-F5344CB8AC3E}">
-        <p14:creationId xmlns:p14="http://schemas.microsoft.com/office/powerpoint/2010/main" val="4067661608"/>
+        <p14:creationId xmlns:p14="http://schemas.microsoft.com/office/powerpoint/2010/main" xmlns="" val="4067661608"/>
       </p:ext>
     </p:extLst>
   </p:cSld>
@@ -5767,7 +5629,7 @@
           <a:blip r:embed="rId3">
             <a:extLst>
               <a:ext uri="{28A0092B-C50C-407E-A947-70E740481C1C}">
-                <a14:useLocalDpi xmlns:a14="http://schemas.microsoft.com/office/drawing/2010/main" val="0"/>
+                <a14:useLocalDpi xmlns:a14="http://schemas.microsoft.com/office/drawing/2010/main" xmlns="" val="0"/>
               </a:ext>
             </a:extLst>
           </a:blip>
@@ -5788,7 +5650,7 @@
     </p:spTree>
     <p:extLst>
       <p:ext uri="{BB962C8B-B14F-4D97-AF65-F5344CB8AC3E}">
-        <p14:creationId xmlns:p14="http://schemas.microsoft.com/office/powerpoint/2010/main" val="1888241957"/>
+        <p14:creationId xmlns:p14="http://schemas.microsoft.com/office/powerpoint/2010/main" xmlns="" val="1888241957"/>
       </p:ext>
     </p:extLst>
   </p:cSld>
@@ -5855,7 +5717,7 @@
           <p:nvPr>
             <p:extLst>
               <p:ext uri="{D42A27DB-BD31-4B8C-83A1-F6EECF244321}">
-                <p14:modId xmlns:p14="http://schemas.microsoft.com/office/powerpoint/2010/main" val="865721133"/>
+                <p14:modId xmlns:p14="http://schemas.microsoft.com/office/powerpoint/2010/main" xmlns="" val="865721133"/>
               </p:ext>
             </p:extLst>
           </p:nvPr>
@@ -6863,7 +6725,7 @@
     </p:spTree>
     <p:extLst>
       <p:ext uri="{BB962C8B-B14F-4D97-AF65-F5344CB8AC3E}">
-        <p14:creationId xmlns:p14="http://schemas.microsoft.com/office/powerpoint/2010/main" val="985787234"/>
+        <p14:creationId xmlns:p14="http://schemas.microsoft.com/office/powerpoint/2010/main" xmlns="" val="985787234"/>
       </p:ext>
     </p:extLst>
   </p:cSld>
@@ -7135,7 +6997,7 @@
           <a:blip r:embed="rId3">
             <a:extLst>
               <a:ext uri="{28A0092B-C50C-407E-A947-70E740481C1C}">
-                <a14:useLocalDpi xmlns:a14="http://schemas.microsoft.com/office/drawing/2010/main" val="0"/>
+                <a14:useLocalDpi xmlns:a14="http://schemas.microsoft.com/office/drawing/2010/main" xmlns="" val="0"/>
               </a:ext>
             </a:extLst>
           </a:blip>
@@ -7165,7 +7027,7 @@
           <a:blip r:embed="rId4">
             <a:extLst>
               <a:ext uri="{28A0092B-C50C-407E-A947-70E740481C1C}">
-                <a14:useLocalDpi xmlns:a14="http://schemas.microsoft.com/office/drawing/2010/main" val="0"/>
+                <a14:useLocalDpi xmlns:a14="http://schemas.microsoft.com/office/drawing/2010/main" xmlns="" val="0"/>
               </a:ext>
             </a:extLst>
           </a:blip>
@@ -7194,7 +7056,7 @@
           <a:blip r:embed="rId5">
             <a:extLst>
               <a:ext uri="{28A0092B-C50C-407E-A947-70E740481C1C}">
-                <a14:useLocalDpi xmlns:a14="http://schemas.microsoft.com/office/drawing/2010/main" val="0"/>
+                <a14:useLocalDpi xmlns:a14="http://schemas.microsoft.com/office/drawing/2010/main" xmlns="" val="0"/>
               </a:ext>
             </a:extLst>
           </a:blip>
@@ -7223,7 +7085,7 @@
           <a:blip r:embed="rId6">
             <a:extLst>
               <a:ext uri="{28A0092B-C50C-407E-A947-70E740481C1C}">
-                <a14:useLocalDpi xmlns:a14="http://schemas.microsoft.com/office/drawing/2010/main" val="0"/>
+                <a14:useLocalDpi xmlns:a14="http://schemas.microsoft.com/office/drawing/2010/main" xmlns="" val="0"/>
               </a:ext>
             </a:extLst>
           </a:blip>
@@ -7252,7 +7114,7 @@
           <a:blip r:embed="rId7">
             <a:extLst>
               <a:ext uri="{28A0092B-C50C-407E-A947-70E740481C1C}">
-                <a14:useLocalDpi xmlns:a14="http://schemas.microsoft.com/office/drawing/2010/main" val="0"/>
+                <a14:useLocalDpi xmlns:a14="http://schemas.microsoft.com/office/drawing/2010/main" xmlns="" val="0"/>
               </a:ext>
             </a:extLst>
           </a:blip>
@@ -7272,7 +7134,7 @@
     </p:spTree>
     <p:extLst>
       <p:ext uri="{BB962C8B-B14F-4D97-AF65-F5344CB8AC3E}">
-        <p14:creationId xmlns:p14="http://schemas.microsoft.com/office/powerpoint/2010/main" val="985787234"/>
+        <p14:creationId xmlns:p14="http://schemas.microsoft.com/office/powerpoint/2010/main" xmlns="" val="985787234"/>
       </p:ext>
     </p:extLst>
   </p:cSld>
@@ -7422,7 +7284,7 @@
           <a:blip r:embed="rId3">
             <a:extLst>
               <a:ext uri="{28A0092B-C50C-407E-A947-70E740481C1C}">
-                <a14:useLocalDpi xmlns:a14="http://schemas.microsoft.com/office/drawing/2010/main" val="0"/>
+                <a14:useLocalDpi xmlns:a14="http://schemas.microsoft.com/office/drawing/2010/main" xmlns="" val="0"/>
               </a:ext>
             </a:extLst>
           </a:blip>
@@ -7443,7 +7305,7 @@
     </p:spTree>
     <p:extLst>
       <p:ext uri="{BB962C8B-B14F-4D97-AF65-F5344CB8AC3E}">
-        <p14:creationId xmlns:p14="http://schemas.microsoft.com/office/powerpoint/2010/main" val="2040447967"/>
+        <p14:creationId xmlns:p14="http://schemas.microsoft.com/office/powerpoint/2010/main" xmlns="" val="2040447967"/>
       </p:ext>
     </p:extLst>
   </p:cSld>
@@ -7749,7 +7611,7 @@
           <a:blip r:embed="rId3" cstate="email">
             <a:extLst>
               <a:ext uri="{28A0092B-C50C-407E-A947-70E740481C1C}">
-                <a14:useLocalDpi xmlns:a14="http://schemas.microsoft.com/office/drawing/2010/main"/>
+                <a14:useLocalDpi xmlns:a14="http://schemas.microsoft.com/office/drawing/2010/main" xmlns=""/>
               </a:ext>
             </a:extLst>
           </a:blip>
@@ -7770,7 +7632,7 @@
     </p:spTree>
     <p:extLst>
       <p:ext uri="{BB962C8B-B14F-4D97-AF65-F5344CB8AC3E}">
-        <p14:creationId xmlns:p14="http://schemas.microsoft.com/office/powerpoint/2010/main" val="4080893804"/>
+        <p14:creationId xmlns:p14="http://schemas.microsoft.com/office/powerpoint/2010/main" xmlns="" val="4080893804"/>
       </p:ext>
     </p:extLst>
   </p:cSld>
@@ -7859,7 +7721,7 @@
     </p:spTree>
     <p:extLst>
       <p:ext uri="{BB962C8B-B14F-4D97-AF65-F5344CB8AC3E}">
-        <p14:creationId xmlns:p14="http://schemas.microsoft.com/office/powerpoint/2010/main" val="377807088"/>
+        <p14:creationId xmlns:p14="http://schemas.microsoft.com/office/powerpoint/2010/main" xmlns="" val="377807088"/>
       </p:ext>
     </p:extLst>
   </p:cSld>
